--- a/output.pptx
+++ b/output.pptx
@@ -3114,7 +3114,7 @@
       </p:pic>
       <p:pic>
         <p:nvPicPr>
-          <p:cNvPr id="3" name="Picture 2" descr="light_overlay.png"/>
+          <p:cNvPr id="3" name="Picture 2" descr="dark_overlay.png"/>
           <p:cNvPicPr>
             <a:picLocks noChangeAspect="1"/>
           </p:cNvPicPr>
@@ -3162,7 +3162,7 @@
             <a:pPr>
               <a:defRPr sz="4400">
                 <a:solidFill>
-                  <a:srgbClr val="000000"/>
+                  <a:srgbClr val="FFFFFF"/>
                 </a:solidFill>
               </a:defRPr>
             </a:pPr>
